--- a/FirstStep/Fundmentals_R-klou.pptx
+++ b/FirstStep/Fundmentals_R-klou.pptx
@@ -263,7 +263,7 @@
           <a:p>
             <a:fld id="{7F5FED9D-9383-8244-8F08-0E5298CC386D}" type="datetimeFigureOut">
               <a:rPr kumimoji="1" lang="zh-TW" altLang="en-US" smtClean="0"/>
-              <a:t>2022/10/5</a:t>
+              <a:t>2022/10/19</a:t>
             </a:fld>
             <a:endParaRPr kumimoji="1" lang="zh-TW" altLang="en-US"/>
           </a:p>
@@ -474,7 +474,7 @@
           <a:p>
             <a:fld id="{7F5FED9D-9383-8244-8F08-0E5298CC386D}" type="datetimeFigureOut">
               <a:rPr kumimoji="1" lang="zh-TW" altLang="en-US" smtClean="0"/>
-              <a:t>2022/10/5</a:t>
+              <a:t>2022/10/19</a:t>
             </a:fld>
             <a:endParaRPr kumimoji="1" lang="zh-TW" altLang="en-US"/>
           </a:p>
@@ -689,7 +689,7 @@
           <a:p>
             <a:fld id="{7F5FED9D-9383-8244-8F08-0E5298CC386D}" type="datetimeFigureOut">
               <a:rPr kumimoji="1" lang="zh-TW" altLang="en-US" smtClean="0"/>
-              <a:t>2022/10/5</a:t>
+              <a:t>2022/10/19</a:t>
             </a:fld>
             <a:endParaRPr kumimoji="1" lang="zh-TW" altLang="en-US"/>
           </a:p>
@@ -890,7 +890,7 @@
           <a:p>
             <a:fld id="{7F5FED9D-9383-8244-8F08-0E5298CC386D}" type="datetimeFigureOut">
               <a:rPr kumimoji="1" lang="zh-TW" altLang="en-US" smtClean="0"/>
-              <a:t>2022/10/5</a:t>
+              <a:t>2022/10/19</a:t>
             </a:fld>
             <a:endParaRPr kumimoji="1" lang="zh-TW" altLang="en-US"/>
           </a:p>
@@ -1169,7 +1169,7 @@
           <a:p>
             <a:fld id="{7F5FED9D-9383-8244-8F08-0E5298CC386D}" type="datetimeFigureOut">
               <a:rPr kumimoji="1" lang="zh-TW" altLang="en-US" smtClean="0"/>
-              <a:t>2022/10/5</a:t>
+              <a:t>2022/10/19</a:t>
             </a:fld>
             <a:endParaRPr kumimoji="1" lang="zh-TW" altLang="en-US"/>
           </a:p>
@@ -1437,7 +1437,7 @@
           <a:p>
             <a:fld id="{7F5FED9D-9383-8244-8F08-0E5298CC386D}" type="datetimeFigureOut">
               <a:rPr kumimoji="1" lang="zh-TW" altLang="en-US" smtClean="0"/>
-              <a:t>2022/10/5</a:t>
+              <a:t>2022/10/19</a:t>
             </a:fld>
             <a:endParaRPr kumimoji="1" lang="zh-TW" altLang="en-US"/>
           </a:p>
@@ -1853,7 +1853,7 @@
           <a:p>
             <a:fld id="{7F5FED9D-9383-8244-8F08-0E5298CC386D}" type="datetimeFigureOut">
               <a:rPr kumimoji="1" lang="zh-TW" altLang="en-US" smtClean="0"/>
-              <a:t>2022/10/5</a:t>
+              <a:t>2022/10/19</a:t>
             </a:fld>
             <a:endParaRPr kumimoji="1" lang="zh-TW" altLang="en-US"/>
           </a:p>
@@ -2002,7 +2002,7 @@
           <a:p>
             <a:fld id="{7F5FED9D-9383-8244-8F08-0E5298CC386D}" type="datetimeFigureOut">
               <a:rPr kumimoji="1" lang="zh-TW" altLang="en-US" smtClean="0"/>
-              <a:t>2022/10/5</a:t>
+              <a:t>2022/10/19</a:t>
             </a:fld>
             <a:endParaRPr kumimoji="1" lang="zh-TW" altLang="en-US"/>
           </a:p>
@@ -2128,7 +2128,7 @@
           <a:p>
             <a:fld id="{7F5FED9D-9383-8244-8F08-0E5298CC386D}" type="datetimeFigureOut">
               <a:rPr kumimoji="1" lang="zh-TW" altLang="en-US" smtClean="0"/>
-              <a:t>2022/10/5</a:t>
+              <a:t>2022/10/19</a:t>
             </a:fld>
             <a:endParaRPr kumimoji="1" lang="zh-TW" altLang="en-US"/>
           </a:p>
@@ -2379,7 +2379,7 @@
           <a:p>
             <a:fld id="{7F5FED9D-9383-8244-8F08-0E5298CC386D}" type="datetimeFigureOut">
               <a:rPr kumimoji="1" lang="zh-TW" altLang="en-US" smtClean="0"/>
-              <a:t>2022/10/5</a:t>
+              <a:t>2022/10/19</a:t>
             </a:fld>
             <a:endParaRPr kumimoji="1" lang="zh-TW" altLang="en-US"/>
           </a:p>
@@ -2824,7 +2824,7 @@
           <a:p>
             <a:fld id="{7F5FED9D-9383-8244-8F08-0E5298CC386D}" type="datetimeFigureOut">
               <a:rPr kumimoji="1" lang="zh-TW" altLang="en-US" smtClean="0"/>
-              <a:t>2022/10/5</a:t>
+              <a:t>2022/10/19</a:t>
             </a:fld>
             <a:endParaRPr kumimoji="1" lang="zh-TW" altLang="en-US"/>
           </a:p>
@@ -3151,7 +3151,7 @@
           <a:p>
             <a:fld id="{7F5FED9D-9383-8244-8F08-0E5298CC386D}" type="datetimeFigureOut">
               <a:rPr kumimoji="1" lang="zh-TW" altLang="en-US" smtClean="0"/>
-              <a:t>2022/10/5</a:t>
+              <a:t>2022/10/19</a:t>
             </a:fld>
             <a:endParaRPr kumimoji="1" lang="zh-TW" altLang="en-US"/>
           </a:p>
@@ -3665,7 +3665,15 @@
           <a:p>
             <a:r>
               <a:rPr kumimoji="1" lang="en-US" altLang="zh-TW" dirty="0"/>
-              <a:t>Notes of R Language</a:t>
+              <a:t>First</a:t>
+            </a:r>
+            <a:r>
+              <a:rPr kumimoji="1" lang="zh-TW" altLang="en-US" dirty="0"/>
+              <a:t> </a:t>
+            </a:r>
+            <a:r>
+              <a:rPr kumimoji="1" lang="en-US" altLang="zh-TW" dirty="0"/>
+              <a:t>step of R</a:t>
             </a:r>
             <a:endParaRPr kumimoji="1" lang="zh-TW" altLang="en-US" dirty="0"/>
           </a:p>
